--- a/SPRINT2/Gráfico de temperatura.pptx
+++ b/SPRINT2/Gráfico de temperatura.pptx
@@ -5,7 +5,7 @@
     <p:sldMasterId id="2147483677" r:id="rId1"/>
   </p:sldMasterIdLst>
   <p:notesMasterIdLst>
-    <p:notesMasterId r:id="rId9"/>
+    <p:notesMasterId r:id="rId10"/>
   </p:notesMasterIdLst>
   <p:sldIdLst>
     <p:sldId id="256" r:id="rId2"/>
@@ -13,33 +13,34 @@
     <p:sldId id="258" r:id="rId4"/>
     <p:sldId id="262" r:id="rId5"/>
     <p:sldId id="310" r:id="rId6"/>
-    <p:sldId id="260" r:id="rId7"/>
-    <p:sldId id="311" r:id="rId8"/>
+    <p:sldId id="312" r:id="rId7"/>
+    <p:sldId id="260" r:id="rId8"/>
+    <p:sldId id="311" r:id="rId9"/>
   </p:sldIdLst>
   <p:sldSz cx="9144000" cy="5143500" type="screen16x9"/>
   <p:notesSz cx="6858000" cy="9144000"/>
   <p:embeddedFontLst>
     <p:embeddedFont>
       <p:font typeface="Righteous" panose="020B0604020202020204" charset="0"/>
-      <p:regular r:id="rId10"/>
+      <p:regular r:id="rId11"/>
     </p:embeddedFont>
     <p:embeddedFont>
       <p:font typeface="Varela Round" panose="020B0604020202020204" charset="-79"/>
-      <p:regular r:id="rId11"/>
+      <p:regular r:id="rId12"/>
     </p:embeddedFont>
     <p:embeddedFont>
       <p:font typeface="Work Sans" panose="020B0604020202020204" charset="0"/>
-      <p:regular r:id="rId12"/>
-      <p:bold r:id="rId13"/>
-      <p:italic r:id="rId14"/>
-      <p:boldItalic r:id="rId15"/>
+      <p:regular r:id="rId13"/>
+      <p:bold r:id="rId14"/>
+      <p:italic r:id="rId15"/>
+      <p:boldItalic r:id="rId16"/>
     </p:embeddedFont>
     <p:embeddedFont>
       <p:font typeface="Work Sans Regular" panose="020B0604020202020204" charset="0"/>
-      <p:regular r:id="rId16"/>
-      <p:bold r:id="rId17"/>
-      <p:italic r:id="rId18"/>
-      <p:boldItalic r:id="rId19"/>
+      <p:regular r:id="rId17"/>
+      <p:bold r:id="rId18"/>
+      <p:italic r:id="rId19"/>
+      <p:boldItalic r:id="rId20"/>
     </p:embeddedFont>
   </p:embeddedFontLst>
   <p:defaultTextStyle>
@@ -8172,6 +8173,66 @@
   <p:cSld>
     <p:spTree>
       <p:nvGrpSpPr>
+        <p:cNvPr id="1" name=""/>
+        <p:cNvGrpSpPr/>
+        <p:nvPr/>
+      </p:nvGrpSpPr>
+      <p:grpSpPr>
+        <a:xfrm>
+          <a:off x="0" y="0"/>
+          <a:ext cx="0" cy="0"/>
+          <a:chOff x="0" y="0"/>
+          <a:chExt cx="0" cy="0"/>
+        </a:xfrm>
+      </p:grpSpPr>
+      <p:pic>
+        <p:nvPicPr>
+          <p:cNvPr id="4" name="Imagem 3">
+            <a:extLst>
+              <a:ext uri="{FF2B5EF4-FFF2-40B4-BE49-F238E27FC236}">
+                <a16:creationId xmlns:a16="http://schemas.microsoft.com/office/drawing/2014/main" id="{BDFB139D-BB31-4E98-8D41-687D2FB341B7}"/>
+              </a:ext>
+            </a:extLst>
+          </p:cNvPr>
+          <p:cNvPicPr>
+            <a:picLocks noChangeAspect="1"/>
+          </p:cNvPicPr>
+          <p:nvPr/>
+        </p:nvPicPr>
+        <p:blipFill>
+          <a:blip r:embed="rId2"/>
+          <a:stretch>
+            <a:fillRect/>
+          </a:stretch>
+        </p:blipFill>
+        <p:spPr>
+          <a:xfrm>
+            <a:off x="1147587" y="2109787"/>
+            <a:ext cx="7029450" cy="923925"/>
+          </a:xfrm>
+          <a:prstGeom prst="rect">
+            <a:avLst/>
+          </a:prstGeom>
+        </p:spPr>
+      </p:pic>
+    </p:spTree>
+    <p:extLst>
+      <p:ext uri="{BB962C8B-B14F-4D97-AF65-F5344CB8AC3E}">
+        <p14:creationId xmlns:p14="http://schemas.microsoft.com/office/powerpoint/2010/main" val="1003176752"/>
+      </p:ext>
+    </p:extLst>
+  </p:cSld>
+  <p:clrMapOvr>
+    <a:masterClrMapping/>
+  </p:clrMapOvr>
+</p:sld>
+</file>
+
+<file path=ppt/slides/slide7.xml><?xml version="1.0" encoding="utf-8"?>
+<p:sld xmlns:a="http://schemas.openxmlformats.org/drawingml/2006/main" xmlns:r="http://schemas.openxmlformats.org/officeDocument/2006/relationships" xmlns:p="http://schemas.openxmlformats.org/presentationml/2006/main">
+  <p:cSld>
+    <p:spTree>
+      <p:nvGrpSpPr>
         <p:cNvPr id="1" name="Shape 205"/>
         <p:cNvGrpSpPr/>
         <p:nvPr/>
@@ -8408,7 +8469,7 @@
 </p:sld>
 </file>
 
-<file path=ppt/slides/slide7.xml><?xml version="1.0" encoding="utf-8"?>
+<file path=ppt/slides/slide8.xml><?xml version="1.0" encoding="utf-8"?>
 <p:sld xmlns:a="http://schemas.openxmlformats.org/drawingml/2006/main" xmlns:r="http://schemas.openxmlformats.org/officeDocument/2006/relationships" xmlns:p="http://schemas.openxmlformats.org/presentationml/2006/main">
   <p:cSld>
     <p:bg>

--- a/SPRINT2/Gráfico de temperatura.pptx
+++ b/SPRINT2/Gráfico de temperatura.pptx
@@ -277,6 +277,43 @@
     </p:ext>
   </p:extLst>
 </p:presentation>
+</file>
+
+<file path=ppt/revisionInfo.xml><?xml version="1.0" encoding="utf-8"?>
+<p1510:revInfo xmlns:a="http://schemas.openxmlformats.org/drawingml/2006/main" xmlns:r="http://schemas.openxmlformats.org/officeDocument/2006/relationships" xmlns:p1510="http://schemas.microsoft.com/office/powerpoint/2015/10/main">
+  <p1510:revLst>
+    <p1510:client id="{752EDA6C-1C96-4C0E-9E1F-B805754B4668}" v="2" dt="2021-04-06T22:51:54.476"/>
+  </p1510:revLst>
+</p1510:revInfo>
+</file>
+
+<file path=ppt/changesInfos/changesInfo1.xml><?xml version="1.0" encoding="utf-8"?>
+<pc:chgInfo xmlns:a="http://schemas.openxmlformats.org/drawingml/2006/main" xmlns:r="http://schemas.openxmlformats.org/officeDocument/2006/relationships" xmlns:ac="http://schemas.microsoft.com/office/drawing/2013/main/command" xmlns:pc="http://schemas.microsoft.com/office/powerpoint/2013/main/command">
+  <pc:docChgLst>
+    <pc:chgData name="LUIZ HENRIQUE OLIVEIRA NARDI" userId="54a15446-c1be-4471-a17c-fe3ace9286ff" providerId="ADAL" clId="{752EDA6C-1C96-4C0E-9E1F-B805754B4668}"/>
+    <pc:docChg chg="undo redo custSel modSld">
+      <pc:chgData name="LUIZ HENRIQUE OLIVEIRA NARDI" userId="54a15446-c1be-4471-a17c-fe3ace9286ff" providerId="ADAL" clId="{752EDA6C-1C96-4C0E-9E1F-B805754B4668}" dt="2021-04-06T22:52:06.474" v="30" actId="207"/>
+      <pc:docMkLst>
+        <pc:docMk/>
+      </pc:docMkLst>
+      <pc:sldChg chg="modSp mod">
+        <pc:chgData name="LUIZ HENRIQUE OLIVEIRA NARDI" userId="54a15446-c1be-4471-a17c-fe3ace9286ff" providerId="ADAL" clId="{752EDA6C-1C96-4C0E-9E1F-B805754B4668}" dt="2021-04-06T22:52:06.474" v="30" actId="207"/>
+        <pc:sldMkLst>
+          <pc:docMk/>
+          <pc:sldMk cId="3053692725" sldId="310"/>
+        </pc:sldMkLst>
+        <pc:graphicFrameChg chg="mod modGraphic">
+          <ac:chgData name="LUIZ HENRIQUE OLIVEIRA NARDI" userId="54a15446-c1be-4471-a17c-fe3ace9286ff" providerId="ADAL" clId="{752EDA6C-1C96-4C0E-9E1F-B805754B4668}" dt="2021-04-06T22:52:06.474" v="30" actId="207"/>
+          <ac:graphicFrameMkLst>
+            <pc:docMk/>
+            <pc:sldMk cId="3053692725" sldId="310"/>
+            <ac:graphicFrameMk id="2" creationId="{D55315C5-5B0E-4764-92AB-76B3B24EF412}"/>
+          </ac:graphicFrameMkLst>
+        </pc:graphicFrameChg>
+      </pc:sldChg>
+    </pc:docChg>
+  </pc:docChgLst>
+</pc:chgInfo>
 </file>
 
 <file path=ppt/charts/chart1.xml><?xml version="1.0" encoding="utf-8"?>
@@ -7674,7 +7711,7 @@
           <p:nvPr>
             <p:extLst>
               <p:ext uri="{D42A27DB-BD31-4B8C-83A1-F6EECF244321}">
-                <p14:modId xmlns:p14="http://schemas.microsoft.com/office/powerpoint/2010/main" val="1596590611"/>
+                <p14:modId xmlns:p14="http://schemas.microsoft.com/office/powerpoint/2010/main" val="3325391496"/>
               </p:ext>
             </p:extLst>
           </p:nvPr>
@@ -8068,7 +8105,7 @@
                     <a:p>
                       <a:pPr algn="ctr" rtl="0" fontAlgn="ctr"/>
                       <a:r>
-                        <a:rPr lang="pt-BR" sz="1200" b="0" i="0" u="none" strike="noStrike">
+                        <a:rPr lang="pt-BR" sz="1200" b="0" i="0" u="none" strike="noStrike" dirty="0">
                           <a:solidFill>
                             <a:srgbClr val="000000"/>
                           </a:solidFill>
@@ -8078,14 +8115,6 @@
                         </a:rPr>
                         <a:t>24</a:t>
                       </a:r>
-                      <a:endParaRPr lang="pt-BR" sz="1200" b="0" i="0" u="none" strike="noStrike" dirty="0">
-                        <a:solidFill>
-                          <a:srgbClr val="000000"/>
-                        </a:solidFill>
-                        <a:effectLst/>
-                        <a:latin typeface="Varela Round" panose="020B0604020202020204" charset="-79"/>
-                        <a:cs typeface="Varela Round" panose="020B0604020202020204" charset="-79"/>
-                      </a:endParaRPr>
                     </a:p>
                   </a:txBody>
                   <a:tcPr marL="0" marR="0" marT="0" marB="0" anchor="ctr">

--- a/SPRINT2/Gráfico de temperatura.pptx
+++ b/SPRINT2/Gráfico de temperatura.pptx
@@ -7640,6 +7640,14 @@
 <file path=ppt/slides/slide5.xml><?xml version="1.0" encoding="utf-8"?>
 <p:sld xmlns:a="http://schemas.openxmlformats.org/drawingml/2006/main" xmlns:r="http://schemas.openxmlformats.org/officeDocument/2006/relationships" xmlns:p="http://schemas.openxmlformats.org/presentationml/2006/main">
   <p:cSld>
+    <p:bg>
+      <p:bgPr>
+        <a:solidFill>
+          <a:srgbClr val="1E1E1E"/>
+        </a:solidFill>
+        <a:effectLst/>
+      </p:bgPr>
+    </p:bg>
     <p:spTree>
       <p:nvGrpSpPr>
         <p:cNvPr id="1" name="Shape 225"/>
@@ -7711,7 +7719,7 @@
           <p:nvPr>
             <p:extLst>
               <p:ext uri="{D42A27DB-BD31-4B8C-83A1-F6EECF244321}">
-                <p14:modId xmlns:p14="http://schemas.microsoft.com/office/powerpoint/2010/main" val="3325391496"/>
+                <p14:modId xmlns:p14="http://schemas.microsoft.com/office/powerpoint/2010/main" val="3260889118"/>
               </p:ext>
             </p:extLst>
           </p:nvPr>
@@ -8088,7 +8096,7 @@
                           <a:latin typeface="Varela Round" panose="020B0604020202020204" charset="-79"/>
                           <a:cs typeface="Varela Round" panose="020B0604020202020204" charset="-79"/>
                         </a:rPr>
-                        <a:t>20,3</a:t>
+                        <a:t>18,5</a:t>
                       </a:r>
                     </a:p>
                   </a:txBody>
@@ -8138,7 +8146,7 @@
                           <a:latin typeface="Varela Round" panose="020B0604020202020204" charset="-79"/>
                           <a:cs typeface="Varela Round" panose="020B0604020202020204" charset="-79"/>
                         </a:rPr>
-                        <a:t>27,6</a:t>
+                        <a:t>29,5</a:t>
                       </a:r>
                     </a:p>
                   </a:txBody>
